--- a/fig_overview.pptx
+++ b/fig_overview.pptx
@@ -6,11 +6,12 @@
   </p:sldMasterIdLst>
   <p:sldIdLst>
     <p:sldId id="256" r:id="rId3"/>
+    <p:sldId id="257" r:id="rId4"/>
   </p:sldIdLst>
   <p:sldSz cx="12192000" cy="6858000"/>
   <p:notesSz cx="6858000" cy="9144000"/>
   <p:custDataLst>
-    <p:tags r:id="rId7"/>
+    <p:tags r:id="rId8"/>
   </p:custDataLst>
   <p:defaultTextStyle>
     <a:defPPr>
@@ -110,12 +111,12 @@
   <p:extLst>
     <p:ext uri="{EFAFB233-063F-42B5-8137-9DF3F51BA10A}">
       <p15:sldGuideLst xmlns:p15="http://schemas.microsoft.com/office/powerpoint/2012/main">
-        <p15:guide id="1" orient="horz" pos="2199" userDrawn="1">
+        <p15:guide id="1" orient="horz" pos="2178" userDrawn="1">
           <p15:clr>
             <a:srgbClr val="A4A3A4"/>
           </p15:clr>
         </p15:guide>
-        <p15:guide id="2" pos="3858" userDrawn="1">
+        <p15:guide id="2" pos="3841" userDrawn="1">
           <p15:clr>
             <a:srgbClr val="A4A3A4"/>
           </p15:clr>
@@ -7282,6 +7283,1830 @@
 </p:sld>
 </file>
 
+<file path=ppt/slides/slide2.xml><?xml version="1.0" encoding="utf-8"?>
+<p:sld xmlns:a="http://schemas.openxmlformats.org/drawingml/2006/main" xmlns:r="http://schemas.openxmlformats.org/officeDocument/2006/relationships" xmlns:p="http://schemas.openxmlformats.org/presentationml/2006/main">
+  <p:cSld>
+    <p:spTree>
+      <p:nvGrpSpPr>
+        <p:cNvPr id="1" name=""/>
+        <p:cNvGrpSpPr/>
+        <p:nvPr/>
+      </p:nvGrpSpPr>
+      <p:grpSpPr>
+        <a:xfrm>
+          <a:off x="0" y="0"/>
+          <a:ext cx="0" cy="0"/>
+          <a:chOff x="0" y="0"/>
+          <a:chExt cx="0" cy="0"/>
+        </a:xfrm>
+      </p:grpSpPr>
+      <p:grpSp>
+        <p:nvGrpSpPr>
+          <p:cNvPr id="34" name="组合 33"/>
+          <p:cNvGrpSpPr/>
+          <p:nvPr/>
+        </p:nvGrpSpPr>
+        <p:grpSpPr>
+          <a:xfrm>
+            <a:off x="514985" y="2170430"/>
+            <a:ext cx="10059670" cy="2720340"/>
+            <a:chOff x="811" y="3418"/>
+            <a:chExt cx="15842" cy="4284"/>
+          </a:xfrm>
+        </p:grpSpPr>
+        <p:grpSp>
+          <p:nvGrpSpPr>
+            <p:cNvPr id="16" name="组合 15"/>
+            <p:cNvGrpSpPr/>
+            <p:nvPr/>
+          </p:nvGrpSpPr>
+          <p:grpSpPr>
+            <a:xfrm>
+              <a:off x="811" y="3418"/>
+              <a:ext cx="15843" cy="4285"/>
+              <a:chOff x="811" y="3418"/>
+              <a:chExt cx="15843" cy="4285"/>
+            </a:xfrm>
+          </p:grpSpPr>
+          <p:sp>
+            <p:nvSpPr>
+              <p:cNvPr id="2" name="圆角矩形 1"/>
+              <p:cNvSpPr/>
+              <p:nvPr/>
+            </p:nvSpPr>
+            <p:spPr>
+              <a:xfrm>
+                <a:off x="811" y="3418"/>
+                <a:ext cx="15842" cy="4285"/>
+              </a:xfrm>
+              <a:prstGeom prst="roundRect">
+                <a:avLst>
+                  <a:gd name="adj" fmla="val 6801"/>
+                </a:avLst>
+              </a:prstGeom>
+              <a:solidFill>
+                <a:schemeClr val="accent4">
+                  <a:lumMod val="20000"/>
+                  <a:lumOff val="80000"/>
+                </a:schemeClr>
+              </a:solidFill>
+              <a:ln w="19050">
+                <a:solidFill>
+                  <a:schemeClr val="accent4">
+                    <a:lumMod val="40000"/>
+                    <a:lumOff val="60000"/>
+                  </a:schemeClr>
+                </a:solidFill>
+              </a:ln>
+            </p:spPr>
+            <p:style>
+              <a:lnRef idx="2">
+                <a:schemeClr val="accent1">
+                  <a:lumMod val="75000"/>
+                </a:schemeClr>
+              </a:lnRef>
+              <a:fillRef idx="1">
+                <a:schemeClr val="accent1"/>
+              </a:fillRef>
+              <a:effectRef idx="0">
+                <a:srgbClr val="FFFFFF"/>
+              </a:effectRef>
+              <a:fontRef idx="minor">
+                <a:schemeClr val="lt1"/>
+              </a:fontRef>
+            </p:style>
+            <p:txBody>
+              <a:bodyPr rtlCol="0" anchor="ctr" anchorCtr="0"/>
+              <a:p>
+                <a:pPr algn="ctr"/>
+                <a:endParaRPr lang="zh-CN" altLang="en-US" sz="1400" b="1">
+                  <a:latin typeface="Calibri" panose="020F0502020204030204" charset="0"/>
+                  <a:cs typeface="Calibri" panose="020F0502020204030204" charset="0"/>
+                </a:endParaRPr>
+              </a:p>
+            </p:txBody>
+          </p:sp>
+          <p:sp>
+            <p:nvSpPr>
+              <p:cNvPr id="102" name="文本框 101"/>
+              <p:cNvSpPr txBox="1"/>
+              <p:nvPr/>
+            </p:nvSpPr>
+            <p:spPr>
+              <a:xfrm>
+                <a:off x="811" y="3488"/>
+                <a:ext cx="15842" cy="483"/>
+              </a:xfrm>
+              <a:prstGeom prst="rect">
+                <a:avLst/>
+              </a:prstGeom>
+              <a:noFill/>
+            </p:spPr>
+            <p:txBody>
+              <a:bodyPr wrap="square" rtlCol="0" anchor="t">
+                <a:spAutoFit/>
+              </a:bodyPr>
+              <a:p>
+                <a:pPr algn="ctr"/>
+                <a:r>
+                  <a:rPr lang="zh-CN" altLang="en-US" sz="1400" b="1">
+                    <a:latin typeface="+mn-ea"/>
+                    <a:sym typeface="+mn-ea"/>
+                  </a:rPr>
+                  <a:t>中间表示（</a:t>
+                </a:r>
+                <a:r>
+                  <a:rPr lang="en-US" altLang="zh-CN" sz="1400" b="1">
+                    <a:latin typeface="+mn-ea"/>
+                    <a:sym typeface="+mn-ea"/>
+                  </a:rPr>
+                  <a:t>IR</a:t>
+                </a:r>
+                <a:r>
+                  <a:rPr lang="zh-CN" altLang="en-US" sz="1400" b="1">
+                    <a:latin typeface="+mn-ea"/>
+                    <a:sym typeface="+mn-ea"/>
+                  </a:rPr>
+                  <a:t>）翻译</a:t>
+                </a:r>
+                <a:r>
+                  <a:rPr lang="en-US" altLang="zh-CN" sz="1400" b="1">
+                    <a:latin typeface="+mn-ea"/>
+                    <a:sym typeface="+mn-ea"/>
+                  </a:rPr>
+                  <a:t> </a:t>
+                </a:r>
+                <a:r>
+                  <a:rPr lang="zh-CN" altLang="en-US" sz="1400" b="1">
+                    <a:latin typeface="+mn-ea"/>
+                    <a:sym typeface="+mn-ea"/>
+                  </a:rPr>
+                  <a:t>及</a:t>
+                </a:r>
+                <a:r>
+                  <a:rPr lang="en-US" altLang="zh-CN" sz="1400" b="1">
+                    <a:latin typeface="+mn-ea"/>
+                    <a:sym typeface="+mn-ea"/>
+                  </a:rPr>
+                  <a:t> </a:t>
+                </a:r>
+                <a:r>
+                  <a:rPr lang="zh-CN" altLang="en-US" sz="1400" b="1">
+                    <a:latin typeface="+mn-ea"/>
+                    <a:sym typeface="+mn-ea"/>
+                  </a:rPr>
+                  <a:t>完整调用图构建</a:t>
+                </a:r>
+                <a:endParaRPr lang="zh-CN" altLang="en-US" sz="1400" b="1">
+                  <a:latin typeface="+mn-ea"/>
+                  <a:sym typeface="+mn-ea"/>
+                </a:endParaRPr>
+              </a:p>
+            </p:txBody>
+          </p:sp>
+          <p:cxnSp>
+            <p:nvCxnSpPr>
+              <p:cNvPr id="103" name="直接连接符 102"/>
+              <p:cNvCxnSpPr/>
+              <p:nvPr/>
+            </p:nvCxnSpPr>
+            <p:spPr>
+              <a:xfrm>
+                <a:off x="811" y="3981"/>
+                <a:ext cx="15843" cy="18"/>
+              </a:xfrm>
+              <a:prstGeom prst="line">
+                <a:avLst/>
+              </a:prstGeom>
+              <a:ln w="31750" cap="rnd">
+                <a:solidFill>
+                  <a:schemeClr val="accent4">
+                    <a:lumMod val="40000"/>
+                    <a:lumOff val="60000"/>
+                  </a:schemeClr>
+                </a:solidFill>
+                <a:round/>
+              </a:ln>
+            </p:spPr>
+            <p:style>
+              <a:lnRef idx="0">
+                <a:srgbClr val="FFFFFF"/>
+              </a:lnRef>
+              <a:fillRef idx="0">
+                <a:srgbClr val="FFFFFF"/>
+              </a:fillRef>
+              <a:effectRef idx="0">
+                <a:srgbClr val="FFFFFF"/>
+              </a:effectRef>
+              <a:fontRef idx="minor">
+                <a:schemeClr val="tx1"/>
+              </a:fontRef>
+            </p:style>
+          </p:cxnSp>
+          <p:grpSp>
+            <p:nvGrpSpPr>
+              <p:cNvPr id="123" name="组合 122"/>
+              <p:cNvGrpSpPr/>
+              <p:nvPr/>
+            </p:nvGrpSpPr>
+            <p:grpSpPr>
+              <a:xfrm rot="0">
+                <a:off x="11374" y="4179"/>
+                <a:ext cx="2580" cy="2700"/>
+                <a:chOff x="12172" y="5420"/>
+                <a:chExt cx="2580" cy="2141"/>
+              </a:xfrm>
+            </p:grpSpPr>
+            <p:sp>
+              <p:nvSpPr>
+                <p:cNvPr id="124" name="圆角矩形 123"/>
+                <p:cNvSpPr/>
+                <p:nvPr/>
+              </p:nvSpPr>
+              <p:spPr>
+                <a:xfrm>
+                  <a:off x="12253" y="5420"/>
+                  <a:ext cx="2403" cy="2141"/>
+                </a:xfrm>
+                <a:prstGeom prst="roundRect">
+                  <a:avLst>
+                    <a:gd name="adj" fmla="val 6801"/>
+                  </a:avLst>
+                </a:prstGeom>
+                <a:solidFill>
+                  <a:schemeClr val="accent4">
+                    <a:lumMod val="20000"/>
+                    <a:lumOff val="80000"/>
+                  </a:schemeClr>
+                </a:solidFill>
+                <a:ln w="19050">
+                  <a:solidFill>
+                    <a:schemeClr val="accent4">
+                      <a:lumMod val="40000"/>
+                      <a:lumOff val="60000"/>
+                    </a:schemeClr>
+                  </a:solidFill>
+                </a:ln>
+              </p:spPr>
+              <p:style>
+                <a:lnRef idx="2">
+                  <a:schemeClr val="accent1">
+                    <a:lumMod val="75000"/>
+                  </a:schemeClr>
+                </a:lnRef>
+                <a:fillRef idx="1">
+                  <a:schemeClr val="accent1"/>
+                </a:fillRef>
+                <a:effectRef idx="0">
+                  <a:srgbClr val="FFFFFF"/>
+                </a:effectRef>
+                <a:fontRef idx="minor">
+                  <a:schemeClr val="lt1"/>
+                </a:fontRef>
+              </p:style>
+              <p:txBody>
+                <a:bodyPr rtlCol="0" anchor="ctr" anchorCtr="0"/>
+                <a:p>
+                  <a:pPr algn="ctr"/>
+                  <a:endParaRPr lang="en-US" altLang="zh-CN" sz="1400" b="1">
+                    <a:latin typeface="Calibri" panose="020F0502020204030204" charset="0"/>
+                    <a:cs typeface="Calibri" panose="020F0502020204030204" charset="0"/>
+                  </a:endParaRPr>
+                </a:p>
+              </p:txBody>
+            </p:sp>
+            <p:pic>
+              <p:nvPicPr>
+                <p:cNvPr id="125" name="图片 124" descr="8079175"/>
+                <p:cNvPicPr>
+                  <a:picLocks noChangeAspect="1"/>
+                </p:cNvPicPr>
+                <p:nvPr/>
+              </p:nvPicPr>
+              <p:blipFill>
+                <a:blip r:embed="rId1"/>
+                <a:stretch>
+                  <a:fillRect/>
+                </a:stretch>
+              </p:blipFill>
+              <p:spPr>
+                <a:xfrm>
+                  <a:off x="12712" y="6053"/>
+                  <a:ext cx="1556" cy="1346"/>
+                </a:xfrm>
+                <a:prstGeom prst="rect">
+                  <a:avLst/>
+                </a:prstGeom>
+              </p:spPr>
+            </p:pic>
+            <p:sp>
+              <p:nvSpPr>
+                <p:cNvPr id="126" name="文本框 125"/>
+                <p:cNvSpPr txBox="1"/>
+                <p:nvPr/>
+              </p:nvSpPr>
+              <p:spPr>
+                <a:xfrm>
+                  <a:off x="12172" y="5421"/>
+                  <a:ext cx="2580" cy="631"/>
+                </a:xfrm>
+                <a:prstGeom prst="rect">
+                  <a:avLst/>
+                </a:prstGeom>
+                <a:noFill/>
+              </p:spPr>
+              <p:txBody>
+                <a:bodyPr wrap="square" rtlCol="0" anchor="ctr" anchorCtr="0">
+                  <a:noAutofit/>
+                </a:bodyPr>
+                <a:p>
+                  <a:pPr algn="ctr"/>
+                  <a:r>
+                    <a:rPr lang="zh-CN" altLang="en-US" sz="1350" b="1">
+                      <a:latin typeface="Calibri" panose="020F0502020204030204" charset="0"/>
+                      <a:cs typeface="Calibri" panose="020F0502020204030204" charset="0"/>
+                      <a:sym typeface="+mn-ea"/>
+                    </a:rPr>
+                    <a:t>鸿蒙程序分析场景</a:t>
+                  </a:r>
+                  <a:endParaRPr lang="zh-CN" altLang="en-US" sz="1350" b="1">
+                    <a:latin typeface="Calibri" panose="020F0502020204030204" charset="0"/>
+                    <a:cs typeface="Calibri" panose="020F0502020204030204" charset="0"/>
+                    <a:sym typeface="+mn-ea"/>
+                  </a:endParaRPr>
+                </a:p>
+              </p:txBody>
+            </p:sp>
+          </p:grpSp>
+          <p:grpSp>
+            <p:nvGrpSpPr>
+              <p:cNvPr id="137" name="组合 136"/>
+              <p:cNvGrpSpPr/>
+              <p:nvPr/>
+            </p:nvGrpSpPr>
+            <p:grpSpPr>
+              <a:xfrm rot="0">
+                <a:off x="3185" y="6877"/>
+                <a:ext cx="4505" cy="727"/>
+                <a:chOff x="11013" y="6311"/>
+                <a:chExt cx="4505" cy="727"/>
+              </a:xfrm>
+            </p:grpSpPr>
+            <p:pic>
+              <p:nvPicPr>
+                <p:cNvPr id="138" name="图片 137" descr="1634511"/>
+                <p:cNvPicPr>
+                  <a:picLocks noChangeAspect="1"/>
+                </p:cNvPicPr>
+                <p:nvPr/>
+              </p:nvPicPr>
+              <p:blipFill>
+                <a:blip r:embed="rId2"/>
+                <a:stretch>
+                  <a:fillRect/>
+                </a:stretch>
+              </p:blipFill>
+              <p:spPr>
+                <a:xfrm>
+                  <a:off x="11013" y="6445"/>
+                  <a:ext cx="476" cy="476"/>
+                </a:xfrm>
+                <a:prstGeom prst="rect">
+                  <a:avLst/>
+                </a:prstGeom>
+              </p:spPr>
+            </p:pic>
+            <p:sp>
+              <p:nvSpPr>
+                <p:cNvPr id="139" name="文本框 138"/>
+                <p:cNvSpPr txBox="1"/>
+                <p:nvPr/>
+              </p:nvSpPr>
+              <p:spPr>
+                <a:xfrm>
+                  <a:off x="11411" y="6311"/>
+                  <a:ext cx="4107" cy="727"/>
+                </a:xfrm>
+                <a:prstGeom prst="rect">
+                  <a:avLst/>
+                </a:prstGeom>
+                <a:noFill/>
+              </p:spPr>
+              <p:txBody>
+                <a:bodyPr wrap="square" rtlCol="0" anchor="ctr" anchorCtr="0">
+                  <a:noAutofit/>
+                </a:bodyPr>
+                <a:p>
+                  <a:pPr algn="ctr"/>
+                  <a:r>
+                    <a:rPr lang="en-US" altLang="zh-CN" sz="1200" b="1">
+                      <a:latin typeface="+mn-ea"/>
+                      <a:cs typeface="+mn-ea"/>
+                      <a:sym typeface="+mn-ea"/>
+                    </a:rPr>
+                    <a:t> IR </a:t>
+                  </a:r>
+                  <a:r>
+                    <a:rPr lang="zh-CN" altLang="en-US" sz="1200" b="1">
+                      <a:latin typeface="+mn-ea"/>
+                      <a:cs typeface="+mn-ea"/>
+                      <a:sym typeface="+mn-ea"/>
+                    </a:rPr>
+                    <a:t>翻译并构建跨语言调用函数体</a:t>
+                  </a:r>
+                  <a:r>
+                    <a:rPr lang="en-US" altLang="zh-CN" sz="1200" b="1">
+                      <a:latin typeface="+mn-ea"/>
+                      <a:cs typeface="+mn-ea"/>
+                      <a:sym typeface="+mn-ea"/>
+                    </a:rPr>
+                    <a:t> </a:t>
+                  </a:r>
+                  <a:endParaRPr lang="en-US" altLang="zh-CN" sz="1200" b="1">
+                    <a:latin typeface="+mn-ea"/>
+                    <a:cs typeface="+mn-ea"/>
+                    <a:sym typeface="+mn-ea"/>
+                  </a:endParaRPr>
+                </a:p>
+              </p:txBody>
+            </p:sp>
+          </p:grpSp>
+          <p:cxnSp>
+            <p:nvCxnSpPr>
+              <p:cNvPr id="151" name="曲线连接符 150"/>
+              <p:cNvCxnSpPr>
+                <a:endCxn id="6" idx="3"/>
+              </p:cNvCxnSpPr>
+              <p:nvPr/>
+            </p:nvCxnSpPr>
+            <p:spPr>
+              <a:xfrm rot="10800000">
+                <a:off x="10738" y="4741"/>
+                <a:ext cx="1426" cy="932"/>
+              </a:xfrm>
+              <a:prstGeom prst="curvedConnector3">
+                <a:avLst>
+                  <a:gd name="adj1" fmla="val 50000"/>
+                </a:avLst>
+              </a:prstGeom>
+              <a:ln w="19050">
+                <a:solidFill>
+                  <a:schemeClr val="accent4"/>
+                </a:solidFill>
+                <a:prstDash val="dash"/>
+                <a:headEnd type="none"/>
+                <a:tailEnd type="triangle" w="med" len="med"/>
+              </a:ln>
+            </p:spPr>
+            <p:style>
+              <a:lnRef idx="2">
+                <a:schemeClr val="accent1"/>
+              </a:lnRef>
+              <a:fillRef idx="0">
+                <a:srgbClr val="FFFFFF"/>
+              </a:fillRef>
+              <a:effectRef idx="0">
+                <a:srgbClr val="FFFFFF"/>
+              </a:effectRef>
+              <a:fontRef idx="minor">
+                <a:schemeClr val="tx1"/>
+              </a:fontRef>
+            </p:style>
+          </p:cxnSp>
+          <p:cxnSp>
+            <p:nvCxnSpPr>
+              <p:cNvPr id="152" name="曲线连接符 151"/>
+              <p:cNvCxnSpPr>
+                <a:stCxn id="9" idx="3"/>
+              </p:cNvCxnSpPr>
+              <p:nvPr/>
+            </p:nvCxnSpPr>
+            <p:spPr>
+              <a:xfrm flipV="1">
+                <a:off x="10738" y="5968"/>
+                <a:ext cx="1426" cy="530"/>
+              </a:xfrm>
+              <a:prstGeom prst="curvedConnector3">
+                <a:avLst>
+                  <a:gd name="adj1" fmla="val 50000"/>
+                </a:avLst>
+              </a:prstGeom>
+              <a:ln w="19050">
+                <a:solidFill>
+                  <a:schemeClr val="accent4"/>
+                </a:solidFill>
+                <a:prstDash val="dash"/>
+                <a:headEnd type="none"/>
+                <a:tailEnd type="triangle" w="med" len="med"/>
+              </a:ln>
+            </p:spPr>
+            <p:style>
+              <a:lnRef idx="2">
+                <a:schemeClr val="accent1"/>
+              </a:lnRef>
+              <a:fillRef idx="0">
+                <a:srgbClr val="FFFFFF"/>
+              </a:fillRef>
+              <a:effectRef idx="0">
+                <a:srgbClr val="FFFFFF"/>
+              </a:effectRef>
+              <a:fontRef idx="minor">
+                <a:schemeClr val="tx1"/>
+              </a:fontRef>
+            </p:style>
+          </p:cxnSp>
+          <p:grpSp>
+            <p:nvGrpSpPr>
+              <p:cNvPr id="15" name="组合 14"/>
+              <p:cNvGrpSpPr/>
+              <p:nvPr/>
+            </p:nvGrpSpPr>
+            <p:grpSpPr>
+              <a:xfrm>
+                <a:off x="13641" y="5233"/>
+                <a:ext cx="3012" cy="848"/>
+                <a:chOff x="11774" y="7053"/>
+                <a:chExt cx="3012" cy="848"/>
+              </a:xfrm>
+            </p:grpSpPr>
+            <p:pic>
+              <p:nvPicPr>
+                <p:cNvPr id="106" name="图片 105" descr="3329142"/>
+                <p:cNvPicPr>
+                  <a:picLocks noChangeAspect="1"/>
+                </p:cNvPicPr>
+                <p:nvPr/>
+              </p:nvPicPr>
+              <p:blipFill>
+                <a:blip r:embed="rId3"/>
+                <a:stretch>
+                  <a:fillRect/>
+                </a:stretch>
+              </p:blipFill>
+              <p:spPr>
+                <a:xfrm>
+                  <a:off x="12230" y="7089"/>
+                  <a:ext cx="637" cy="630"/>
+                </a:xfrm>
+                <a:prstGeom prst="rect">
+                  <a:avLst/>
+                </a:prstGeom>
+              </p:spPr>
+            </p:pic>
+            <p:cxnSp>
+              <p:nvCxnSpPr>
+                <p:cNvPr id="153" name="直接箭头连接符 152"/>
+                <p:cNvCxnSpPr>
+                  <a:endCxn id="106" idx="1"/>
+                </p:cNvCxnSpPr>
+                <p:nvPr/>
+              </p:nvCxnSpPr>
+              <p:spPr>
+                <a:xfrm>
+                  <a:off x="11774" y="7402"/>
+                  <a:ext cx="456" cy="2"/>
+                </a:xfrm>
+                <a:prstGeom prst="straightConnector1">
+                  <a:avLst/>
+                </a:prstGeom>
+                <a:ln w="25400" cmpd="sng">
+                  <a:solidFill>
+                    <a:schemeClr val="accent1">
+                      <a:lumMod val="75000"/>
+                    </a:schemeClr>
+                  </a:solidFill>
+                  <a:prstDash val="solid"/>
+                  <a:tailEnd type="triangle"/>
+                </a:ln>
+              </p:spPr>
+              <p:style>
+                <a:lnRef idx="2">
+                  <a:schemeClr val="accent1"/>
+                </a:lnRef>
+                <a:fillRef idx="0">
+                  <a:srgbClr val="FFFFFF"/>
+                </a:fillRef>
+                <a:effectRef idx="0">
+                  <a:srgbClr val="FFFFFF"/>
+                </a:effectRef>
+                <a:fontRef idx="minor">
+                  <a:schemeClr val="tx1"/>
+                </a:fontRef>
+              </p:style>
+            </p:cxnSp>
+            <p:sp>
+              <p:nvSpPr>
+                <p:cNvPr id="154" name="文本框 153"/>
+                <p:cNvSpPr txBox="1"/>
+                <p:nvPr/>
+              </p:nvSpPr>
+              <p:spPr>
+                <a:xfrm>
+                  <a:off x="12805" y="7053"/>
+                  <a:ext cx="1981" cy="848"/>
+                </a:xfrm>
+                <a:prstGeom prst="rect">
+                  <a:avLst/>
+                </a:prstGeom>
+                <a:noFill/>
+              </p:spPr>
+              <p:txBody>
+                <a:bodyPr wrap="square" rtlCol="0" anchor="ctr" anchorCtr="0">
+                  <a:noAutofit/>
+                </a:bodyPr>
+                <a:p>
+                  <a:pPr algn="ctr"/>
+                  <a:r>
+                    <a:rPr lang="zh-CN" altLang="en-US" sz="1200" b="1">
+                      <a:latin typeface="+mn-ea"/>
+                      <a:cs typeface="+mn-ea"/>
+                      <a:sym typeface="+mn-ea"/>
+                    </a:rPr>
+                    <a:t>下游分析</a:t>
+                  </a:r>
+                  <a:r>
+                    <a:rPr lang="zh-CN" altLang="en-US" sz="1200" b="1">
+                      <a:latin typeface="+mn-ea"/>
+                      <a:cs typeface="+mn-ea"/>
+                      <a:sym typeface="+mn-ea"/>
+                    </a:rPr>
+                    <a:t>任务</a:t>
+                  </a:r>
+                  <a:endParaRPr lang="zh-CN" altLang="en-US" sz="1200" b="1">
+                    <a:latin typeface="+mn-ea"/>
+                    <a:cs typeface="+mn-ea"/>
+                    <a:sym typeface="+mn-ea"/>
+                  </a:endParaRPr>
+                </a:p>
+                <a:p>
+                  <a:pPr algn="ctr"/>
+                  <a:r>
+                    <a:rPr lang="zh-CN" altLang="en-US" sz="1000">
+                      <a:latin typeface="+mn-ea"/>
+                      <a:cs typeface="+mn-ea"/>
+                      <a:sym typeface="+mn-ea"/>
+                    </a:rPr>
+                    <a:t>（如</a:t>
+                  </a:r>
+                  <a:r>
+                    <a:rPr lang="en-US" altLang="zh-CN" sz="1000">
+                      <a:latin typeface="+mn-ea"/>
+                      <a:cs typeface="+mn-ea"/>
+                      <a:sym typeface="+mn-ea"/>
+                    </a:rPr>
+                    <a:t> </a:t>
+                  </a:r>
+                  <a:r>
+                    <a:rPr lang="zh-CN" altLang="en-US" sz="1000">
+                      <a:latin typeface="+mn-ea"/>
+                      <a:cs typeface="+mn-ea"/>
+                      <a:sym typeface="+mn-ea"/>
+                    </a:rPr>
+                    <a:t>污点分析）</a:t>
+                  </a:r>
+                  <a:endParaRPr lang="zh-CN" altLang="en-US" sz="1000">
+                    <a:latin typeface="+mn-ea"/>
+                    <a:cs typeface="+mn-ea"/>
+                    <a:sym typeface="+mn-ea"/>
+                  </a:endParaRPr>
+                </a:p>
+              </p:txBody>
+            </p:sp>
+          </p:grpSp>
+          <p:grpSp>
+            <p:nvGrpSpPr>
+              <p:cNvPr id="3" name="组合 2"/>
+              <p:cNvGrpSpPr/>
+              <p:nvPr/>
+            </p:nvGrpSpPr>
+            <p:grpSpPr>
+              <a:xfrm>
+                <a:off x="1018" y="4185"/>
+                <a:ext cx="4810" cy="2640"/>
+                <a:chOff x="3760" y="3430"/>
+                <a:chExt cx="4810" cy="2640"/>
+              </a:xfrm>
+            </p:grpSpPr>
+            <p:sp>
+              <p:nvSpPr>
+                <p:cNvPr id="118" name="圆角矩形 117"/>
+                <p:cNvSpPr/>
+                <p:nvPr/>
+              </p:nvSpPr>
+              <p:spPr>
+                <a:xfrm>
+                  <a:off x="3760" y="3430"/>
+                  <a:ext cx="4810" cy="2640"/>
+                </a:xfrm>
+                <a:prstGeom prst="roundRect">
+                  <a:avLst>
+                    <a:gd name="adj" fmla="val 6801"/>
+                  </a:avLst>
+                </a:prstGeom>
+                <a:solidFill>
+                  <a:schemeClr val="accent4">
+                    <a:lumMod val="20000"/>
+                    <a:lumOff val="80000"/>
+                  </a:schemeClr>
+                </a:solidFill>
+                <a:ln w="19050">
+                  <a:solidFill>
+                    <a:schemeClr val="accent4">
+                      <a:lumMod val="40000"/>
+                      <a:lumOff val="60000"/>
+                    </a:schemeClr>
+                  </a:solidFill>
+                </a:ln>
+              </p:spPr>
+              <p:style>
+                <a:lnRef idx="2">
+                  <a:schemeClr val="accent1">
+                    <a:lumMod val="75000"/>
+                  </a:schemeClr>
+                </a:lnRef>
+                <a:fillRef idx="1">
+                  <a:schemeClr val="accent1"/>
+                </a:fillRef>
+                <a:effectRef idx="0">
+                  <a:srgbClr val="FFFFFF"/>
+                </a:effectRef>
+                <a:fontRef idx="minor">
+                  <a:schemeClr val="lt1"/>
+                </a:fontRef>
+              </p:style>
+              <p:txBody>
+                <a:bodyPr rtlCol="0" anchor="ctr" anchorCtr="0"/>
+                <a:p>
+                  <a:pPr algn="ctr"/>
+                  <a:endParaRPr lang="en-US" altLang="zh-CN" sz="1400" b="1">
+                    <a:latin typeface="Calibri" panose="020F0502020204030204" charset="0"/>
+                    <a:cs typeface="Calibri" panose="020F0502020204030204" charset="0"/>
+                  </a:endParaRPr>
+                </a:p>
+              </p:txBody>
+            </p:sp>
+            <p:pic>
+              <p:nvPicPr>
+                <p:cNvPr id="119" name="图片 118" descr="3501154"/>
+                <p:cNvPicPr>
+                  <a:picLocks noChangeAspect="1"/>
+                </p:cNvPicPr>
+                <p:nvPr/>
+              </p:nvPicPr>
+              <p:blipFill>
+                <a:blip r:embed="rId4"/>
+                <a:stretch>
+                  <a:fillRect/>
+                </a:stretch>
+              </p:blipFill>
+              <p:spPr>
+                <a:xfrm>
+                  <a:off x="3940" y="3557"/>
+                  <a:ext cx="556" cy="556"/>
+                </a:xfrm>
+                <a:prstGeom prst="rect">
+                  <a:avLst/>
+                </a:prstGeom>
+              </p:spPr>
+            </p:pic>
+            <p:sp>
+              <p:nvSpPr>
+                <p:cNvPr id="120" name="文本框 119"/>
+                <p:cNvSpPr txBox="1"/>
+                <p:nvPr/>
+              </p:nvSpPr>
+              <p:spPr>
+                <a:xfrm>
+                  <a:off x="4455" y="3483"/>
+                  <a:ext cx="4115" cy="785"/>
+                </a:xfrm>
+                <a:prstGeom prst="rect">
+                  <a:avLst/>
+                </a:prstGeom>
+                <a:noFill/>
+              </p:spPr>
+              <p:txBody>
+                <a:bodyPr wrap="square" rtlCol="0" anchor="ctr" anchorCtr="0">
+                  <a:noAutofit/>
+                </a:bodyPr>
+                <a:p>
+                  <a:pPr algn="ctr"/>
+                  <a:r>
+                    <a:rPr lang="zh-CN" altLang="en-US" sz="1600" b="1">
+                      <a:latin typeface="Calibri" panose="020F0502020204030204" charset="0"/>
+                      <a:cs typeface="Calibri" panose="020F0502020204030204" charset="0"/>
+                      <a:sym typeface="+mn-ea"/>
+                    </a:rPr>
+                    <a:t>摘要中间表示</a:t>
+                  </a:r>
+                  <a:r>
+                    <a:rPr lang="en-US" altLang="zh-CN" sz="1600" b="1">
+                      <a:latin typeface="Calibri" panose="020F0502020204030204" charset="0"/>
+                      <a:cs typeface="Calibri" panose="020F0502020204030204" charset="0"/>
+                      <a:sym typeface="+mn-ea"/>
+                    </a:rPr>
+                    <a:t> SumIR</a:t>
+                  </a:r>
+                  <a:endParaRPr lang="en-US" altLang="zh-CN" sz="1600" b="1">
+                    <a:latin typeface="Calibri" panose="020F0502020204030204" charset="0"/>
+                    <a:cs typeface="Calibri" panose="020F0502020204030204" charset="0"/>
+                    <a:sym typeface="+mn-ea"/>
+                  </a:endParaRPr>
+                </a:p>
+              </p:txBody>
+            </p:sp>
+            <p:sp>
+              <p:nvSpPr>
+                <p:cNvPr id="22" name="圆角矩形 21"/>
+                <p:cNvSpPr/>
+                <p:nvPr/>
+              </p:nvSpPr>
+              <p:spPr>
+                <a:xfrm>
+                  <a:off x="3980" y="4514"/>
+                  <a:ext cx="4314" cy="351"/>
+                </a:xfrm>
+                <a:prstGeom prst="roundRect">
+                  <a:avLst/>
+                </a:prstGeom>
+                <a:solidFill>
+                  <a:schemeClr val="accent1">
+                    <a:lumMod val="20000"/>
+                    <a:lumOff val="80000"/>
+                  </a:schemeClr>
+                </a:solidFill>
+                <a:ln w="22225">
+                  <a:solidFill>
+                    <a:schemeClr val="accent1"/>
+                  </a:solidFill>
+                </a:ln>
+              </p:spPr>
+              <p:style>
+                <a:lnRef idx="2">
+                  <a:schemeClr val="accent1">
+                    <a:shade val="50000"/>
+                  </a:schemeClr>
+                </a:lnRef>
+                <a:fillRef idx="1">
+                  <a:schemeClr val="accent1"/>
+                </a:fillRef>
+                <a:effectRef idx="0">
+                  <a:schemeClr val="accent1"/>
+                </a:effectRef>
+                <a:fontRef idx="minor">
+                  <a:schemeClr val="lt1"/>
+                </a:fontRef>
+              </p:style>
+              <p:txBody>
+                <a:bodyPr rtlCol="0" anchor="ctr"/>
+                <a:p>
+                  <a:pPr algn="l"/>
+                  <a:r>
+                    <a:rPr lang="en-US" altLang="zh-CN" sz="950" dirty="0">
+                      <a:solidFill>
+                        <a:schemeClr val="tx1"/>
+                      </a:solidFill>
+                      <a:latin typeface="Cascadia Mono" panose="020B0609020000020004" pitchFamily="49" charset="0"/>
+                      <a:ea typeface="Cascadia Mono" panose="020B0609020000020004" pitchFamily="49" charset="0"/>
+                      <a:cs typeface="Cascadia Mono" panose="020B0609020000020004" pitchFamily="49" charset="0"/>
+                      <a:sym typeface="+mn-ea"/>
+                    </a:rPr>
+                    <a:t>#i : </a:t>
+                  </a:r>
+                  <a:r>
+                    <a:rPr lang="en-US" altLang="zh-CN" sz="950" dirty="0">
+                      <a:solidFill>
+                        <a:srgbClr val="FF0000"/>
+                      </a:solidFill>
+                      <a:latin typeface="Cascadia Mono" panose="020B0609020000020004" pitchFamily="49" charset="0"/>
+                      <a:ea typeface="Cascadia Mono" panose="020B0609020000020004" pitchFamily="49" charset="0"/>
+                      <a:cs typeface="Cascadia Mono" panose="020B0609020000020004" pitchFamily="49" charset="0"/>
+                      <a:sym typeface="+mn-ea"/>
+                    </a:rPr>
+                    <a:t>CALL</a:t>
+                  </a:r>
+                  <a:r>
+                    <a:rPr lang="en-US" altLang="zh-CN" sz="950" dirty="0">
+                      <a:solidFill>
+                        <a:schemeClr val="tx1"/>
+                      </a:solidFill>
+                      <a:latin typeface="Cascadia Mono" panose="020B0609020000020004" pitchFamily="49" charset="0"/>
+                      <a:ea typeface="Cascadia Mono" panose="020B0609020000020004" pitchFamily="49" charset="0"/>
+                      <a:cs typeface="Cascadia Mono" panose="020B0609020000020004" pitchFamily="49" charset="0"/>
+                      <a:sym typeface="+mn-ea"/>
+                    </a:rPr>
+                    <a:t> OH_LOG_PRINT %1,%2, ...</a:t>
+                  </a:r>
+                  <a:endParaRPr lang="en-US" altLang="zh-CN" sz="950" dirty="0">
+                    <a:solidFill>
+                      <a:schemeClr val="tx1"/>
+                    </a:solidFill>
+                    <a:latin typeface="Cascadia Mono" panose="020B0609020000020004" pitchFamily="49" charset="0"/>
+                    <a:ea typeface="Cascadia Mono" panose="020B0609020000020004" pitchFamily="49" charset="0"/>
+                    <a:cs typeface="Cascadia Mono" panose="020B0609020000020004" pitchFamily="49" charset="0"/>
+                    <a:sym typeface="+mn-ea"/>
+                  </a:endParaRPr>
+                </a:p>
+              </p:txBody>
+            </p:sp>
+            <p:sp>
+              <p:nvSpPr>
+                <p:cNvPr id="23" name="圆角矩形 22"/>
+                <p:cNvSpPr/>
+                <p:nvPr/>
+              </p:nvSpPr>
+              <p:spPr>
+                <a:xfrm>
+                  <a:off x="3980" y="5039"/>
+                  <a:ext cx="4314" cy="351"/>
+                </a:xfrm>
+                <a:prstGeom prst="roundRect">
+                  <a:avLst/>
+                </a:prstGeom>
+                <a:solidFill>
+                  <a:schemeClr val="accent1">
+                    <a:lumMod val="20000"/>
+                    <a:lumOff val="80000"/>
+                  </a:schemeClr>
+                </a:solidFill>
+                <a:ln w="22225">
+                  <a:solidFill>
+                    <a:schemeClr val="accent1"/>
+                  </a:solidFill>
+                </a:ln>
+              </p:spPr>
+              <p:style>
+                <a:lnRef idx="2">
+                  <a:schemeClr val="accent1">
+                    <a:shade val="50000"/>
+                  </a:schemeClr>
+                </a:lnRef>
+                <a:fillRef idx="1">
+                  <a:schemeClr val="accent1"/>
+                </a:fillRef>
+                <a:effectRef idx="0">
+                  <a:schemeClr val="accent1"/>
+                </a:effectRef>
+                <a:fontRef idx="minor">
+                  <a:schemeClr val="lt1"/>
+                </a:fontRef>
+              </p:style>
+              <p:txBody>
+                <a:bodyPr rtlCol="0" anchor="ctr"/>
+                <a:p>
+                  <a:pPr algn="l"/>
+                  <a:r>
+                    <a:rPr lang="en-US" altLang="zh-CN" sz="950" dirty="0">
+                      <a:solidFill>
+                        <a:schemeClr val="tx1"/>
+                      </a:solidFill>
+                      <a:latin typeface="Cascadia Mono" panose="020B0609020000020004" pitchFamily="49" charset="0"/>
+                      <a:ea typeface="Cascadia Mono" panose="020B0609020000020004" pitchFamily="49" charset="0"/>
+                      <a:cs typeface="Cascadia Mono" panose="020B0609020000020004" pitchFamily="49" charset="0"/>
+                      <a:sym typeface="+mn-ea"/>
+                    </a:rPr>
+                    <a:t>#j : </a:t>
+                  </a:r>
+                  <a:r>
+                    <a:rPr lang="en-US" altLang="zh-CN" sz="950" dirty="0">
+                      <a:solidFill>
+                        <a:srgbClr val="FF0000"/>
+                      </a:solidFill>
+                      <a:latin typeface="Cascadia Mono" panose="020B0609020000020004" pitchFamily="49" charset="0"/>
+                      <a:ea typeface="Cascadia Mono" panose="020B0609020000020004" pitchFamily="49" charset="0"/>
+                      <a:cs typeface="Cascadia Mono" panose="020B0609020000020004" pitchFamily="49" charset="0"/>
+                      <a:sym typeface="+mn-ea"/>
+                    </a:rPr>
+                    <a:t>PHI</a:t>
+                  </a:r>
+                  <a:r>
+                    <a:rPr lang="en-US" altLang="zh-CN" sz="950" dirty="0">
+                      <a:solidFill>
+                        <a:schemeClr val="tx1"/>
+                      </a:solidFill>
+                      <a:latin typeface="Cascadia Mono" panose="020B0609020000020004" pitchFamily="49" charset="0"/>
+                      <a:ea typeface="Cascadia Mono" panose="020B0609020000020004" pitchFamily="49" charset="0"/>
+                      <a:cs typeface="Cascadia Mono" panose="020B0609020000020004" pitchFamily="49" charset="0"/>
+                      <a:sym typeface="+mn-ea"/>
+                    </a:rPr>
+                    <a:t> %6 &lt;- %4, %5 </a:t>
+                  </a:r>
+                  <a:endParaRPr lang="en-US" altLang="zh-CN" sz="950" dirty="0">
+                    <a:solidFill>
+                      <a:schemeClr val="tx1"/>
+                    </a:solidFill>
+                    <a:latin typeface="Cascadia Mono" panose="020B0609020000020004" pitchFamily="49" charset="0"/>
+                    <a:ea typeface="Cascadia Mono" panose="020B0609020000020004" pitchFamily="49" charset="0"/>
+                    <a:cs typeface="Cascadia Mono" panose="020B0609020000020004" pitchFamily="49" charset="0"/>
+                    <a:sym typeface="+mn-ea"/>
+                  </a:endParaRPr>
+                </a:p>
+              </p:txBody>
+            </p:sp>
+            <p:sp>
+              <p:nvSpPr>
+                <p:cNvPr id="24" name="圆角矩形 23"/>
+                <p:cNvSpPr/>
+                <p:nvPr/>
+              </p:nvSpPr>
+              <p:spPr>
+                <a:xfrm>
+                  <a:off x="3980" y="5564"/>
+                  <a:ext cx="4314" cy="351"/>
+                </a:xfrm>
+                <a:prstGeom prst="roundRect">
+                  <a:avLst/>
+                </a:prstGeom>
+                <a:solidFill>
+                  <a:schemeClr val="accent1">
+                    <a:lumMod val="20000"/>
+                    <a:lumOff val="80000"/>
+                  </a:schemeClr>
+                </a:solidFill>
+                <a:ln w="22225">
+                  <a:solidFill>
+                    <a:schemeClr val="accent1"/>
+                  </a:solidFill>
+                </a:ln>
+              </p:spPr>
+              <p:style>
+                <a:lnRef idx="2">
+                  <a:schemeClr val="accent1">
+                    <a:shade val="50000"/>
+                  </a:schemeClr>
+                </a:lnRef>
+                <a:fillRef idx="1">
+                  <a:schemeClr val="accent1"/>
+                </a:fillRef>
+                <a:effectRef idx="0">
+                  <a:schemeClr val="accent1"/>
+                </a:effectRef>
+                <a:fontRef idx="minor">
+                  <a:schemeClr val="lt1"/>
+                </a:fontRef>
+              </p:style>
+              <p:txBody>
+                <a:bodyPr rtlCol="0" anchor="ctr"/>
+                <a:p>
+                  <a:pPr algn="l"/>
+                  <a:r>
+                    <a:rPr lang="en-US" altLang="zh-CN" sz="950" dirty="0">
+                      <a:solidFill>
+                        <a:schemeClr val="tx1"/>
+                      </a:solidFill>
+                      <a:latin typeface="Cascadia Mono" panose="020B0609020000020004" pitchFamily="49" charset="0"/>
+                      <a:ea typeface="Cascadia Mono" panose="020B0609020000020004" pitchFamily="49" charset="0"/>
+                      <a:cs typeface="Cascadia Mono" panose="020B0609020000020004" pitchFamily="49" charset="0"/>
+                      <a:sym typeface="+mn-ea"/>
+                    </a:rPr>
+                    <a:t>#k : </a:t>
+                  </a:r>
+                  <a:r>
+                    <a:rPr lang="en-US" altLang="zh-CN" sz="950" dirty="0">
+                      <a:solidFill>
+                        <a:srgbClr val="FF0000"/>
+                      </a:solidFill>
+                      <a:latin typeface="Cascadia Mono" panose="020B0609020000020004" pitchFamily="49" charset="0"/>
+                      <a:ea typeface="Cascadia Mono" panose="020B0609020000020004" pitchFamily="49" charset="0"/>
+                      <a:cs typeface="Cascadia Mono" panose="020B0609020000020004" pitchFamily="49" charset="0"/>
+                      <a:sym typeface="+mn-ea"/>
+                    </a:rPr>
+                    <a:t>RET</a:t>
+                  </a:r>
+                  <a:r>
+                    <a:rPr lang="en-US" altLang="zh-CN" sz="950" dirty="0">
+                      <a:solidFill>
+                        <a:schemeClr val="tx1"/>
+                      </a:solidFill>
+                      <a:latin typeface="Cascadia Mono" panose="020B0609020000020004" pitchFamily="49" charset="0"/>
+                      <a:ea typeface="Cascadia Mono" panose="020B0609020000020004" pitchFamily="49" charset="0"/>
+                      <a:cs typeface="Cascadia Mono" panose="020B0609020000020004" pitchFamily="49" charset="0"/>
+                      <a:sym typeface="+mn-ea"/>
+                    </a:rPr>
+                    <a:t> %6</a:t>
+                  </a:r>
+                  <a:endParaRPr lang="en-US" altLang="zh-CN" sz="950" dirty="0">
+                    <a:solidFill>
+                      <a:schemeClr val="tx1"/>
+                    </a:solidFill>
+                    <a:latin typeface="Cascadia Mono" panose="020B0609020000020004" pitchFamily="49" charset="0"/>
+                    <a:ea typeface="Cascadia Mono" panose="020B0609020000020004" pitchFamily="49" charset="0"/>
+                    <a:cs typeface="Cascadia Mono" panose="020B0609020000020004" pitchFamily="49" charset="0"/>
+                    <a:sym typeface="+mn-ea"/>
+                  </a:endParaRPr>
+                </a:p>
+              </p:txBody>
+            </p:sp>
+          </p:grpSp>
+          <p:grpSp>
+            <p:nvGrpSpPr>
+              <p:cNvPr id="14" name="组合 13"/>
+              <p:cNvGrpSpPr/>
+              <p:nvPr/>
+            </p:nvGrpSpPr>
+            <p:grpSpPr>
+              <a:xfrm>
+                <a:off x="6071" y="4185"/>
+                <a:ext cx="4784" cy="2641"/>
+                <a:chOff x="6071" y="4185"/>
+                <a:chExt cx="4784" cy="2641"/>
+              </a:xfrm>
+            </p:grpSpPr>
+            <p:sp>
+              <p:nvSpPr>
+                <p:cNvPr id="143" name="圆角矩形 142"/>
+                <p:cNvSpPr/>
+                <p:nvPr/>
+              </p:nvSpPr>
+              <p:spPr>
+                <a:xfrm>
+                  <a:off x="6071" y="4185"/>
+                  <a:ext cx="4784" cy="2641"/>
+                </a:xfrm>
+                <a:prstGeom prst="roundRect">
+                  <a:avLst>
+                    <a:gd name="adj" fmla="val 6801"/>
+                  </a:avLst>
+                </a:prstGeom>
+                <a:solidFill>
+                  <a:schemeClr val="accent4">
+                    <a:lumMod val="20000"/>
+                    <a:lumOff val="80000"/>
+                  </a:schemeClr>
+                </a:solidFill>
+                <a:ln w="19050">
+                  <a:solidFill>
+                    <a:schemeClr val="accent4">
+                      <a:lumMod val="40000"/>
+                      <a:lumOff val="60000"/>
+                    </a:schemeClr>
+                  </a:solidFill>
+                </a:ln>
+              </p:spPr>
+              <p:style>
+                <a:lnRef idx="2">
+                  <a:schemeClr val="accent1">
+                    <a:lumMod val="75000"/>
+                  </a:schemeClr>
+                </a:lnRef>
+                <a:fillRef idx="1">
+                  <a:schemeClr val="accent1"/>
+                </a:fillRef>
+                <a:effectRef idx="0">
+                  <a:srgbClr val="FFFFFF"/>
+                </a:effectRef>
+                <a:fontRef idx="minor">
+                  <a:schemeClr val="lt1"/>
+                </a:fontRef>
+              </p:style>
+              <p:txBody>
+                <a:bodyPr rtlCol="0" anchor="ctr" anchorCtr="0"/>
+                <a:p>
+                  <a:pPr algn="ctr"/>
+                  <a:endParaRPr lang="en-US" altLang="zh-CN" sz="1400" b="1">
+                    <a:latin typeface="Calibri" panose="020F0502020204030204" charset="0"/>
+                    <a:cs typeface="Calibri" panose="020F0502020204030204" charset="0"/>
+                  </a:endParaRPr>
+                </a:p>
+              </p:txBody>
+            </p:sp>
+            <p:sp>
+              <p:nvSpPr>
+                <p:cNvPr id="147" name="文本框 146"/>
+                <p:cNvSpPr txBox="1"/>
+                <p:nvPr/>
+              </p:nvSpPr>
+              <p:spPr>
+                <a:xfrm>
+                  <a:off x="6486" y="4479"/>
+                  <a:ext cx="2001" cy="434"/>
+                </a:xfrm>
+                <a:prstGeom prst="rect">
+                  <a:avLst/>
+                </a:prstGeom>
+                <a:noFill/>
+              </p:spPr>
+              <p:txBody>
+                <a:bodyPr wrap="square" rtlCol="0" anchor="t">
+                  <a:spAutoFit/>
+                </a:bodyPr>
+                <a:p>
+                  <a:pPr algn="ctr"/>
+                  <a:r>
+                    <a:rPr lang="en-US" altLang="zh-CN" sz="1200" b="1">
+                      <a:latin typeface="Calibri" panose="020F0502020204030204" charset="0"/>
+                      <a:cs typeface="Calibri" panose="020F0502020204030204" charset="0"/>
+                      <a:sym typeface="+mn-ea"/>
+                    </a:rPr>
+                    <a:t>ArkIR</a:t>
+                  </a:r>
+                  <a:r>
+                    <a:rPr lang="zh-CN" altLang="en-US" sz="1200" b="1">
+                      <a:latin typeface="Calibri" panose="020F0502020204030204" charset="0"/>
+                      <a:cs typeface="Calibri" panose="020F0502020204030204" charset="0"/>
+                      <a:sym typeface="+mn-ea"/>
+                    </a:rPr>
+                    <a:t>函数体</a:t>
+                  </a:r>
+                  <a:endParaRPr lang="zh-CN" altLang="en-US" sz="1200" b="1">
+                    <a:latin typeface="Calibri" panose="020F0502020204030204" charset="0"/>
+                    <a:cs typeface="Calibri" panose="020F0502020204030204" charset="0"/>
+                    <a:sym typeface="+mn-ea"/>
+                  </a:endParaRPr>
+                </a:p>
+              </p:txBody>
+            </p:sp>
+            <p:pic>
+              <p:nvPicPr>
+                <p:cNvPr id="149" name="图片 148" descr="1603002"/>
+                <p:cNvPicPr>
+                  <a:picLocks noChangeAspect="1"/>
+                </p:cNvPicPr>
+                <p:nvPr/>
+              </p:nvPicPr>
+              <p:blipFill>
+                <a:blip r:embed="rId5"/>
+                <a:stretch>
+                  <a:fillRect/>
+                </a:stretch>
+              </p:blipFill>
+              <p:spPr>
+                <a:xfrm>
+                  <a:off x="6270" y="4421"/>
+                  <a:ext cx="515" cy="550"/>
+                </a:xfrm>
+                <a:prstGeom prst="rect">
+                  <a:avLst/>
+                </a:prstGeom>
+              </p:spPr>
+            </p:pic>
+            <p:sp>
+              <p:nvSpPr>
+                <p:cNvPr id="6" name="圆角矩形 5"/>
+                <p:cNvSpPr/>
+                <p:nvPr/>
+              </p:nvSpPr>
+              <p:spPr>
+                <a:xfrm>
+                  <a:off x="8160" y="4553"/>
+                  <a:ext cx="2578" cy="375"/>
+                </a:xfrm>
+                <a:prstGeom prst="roundRect">
+                  <a:avLst/>
+                </a:prstGeom>
+                <a:solidFill>
+                  <a:schemeClr val="accent4">
+                    <a:lumMod val="20000"/>
+                    <a:lumOff val="80000"/>
+                  </a:schemeClr>
+                </a:solidFill>
+                <a:ln w="22225">
+                  <a:solidFill>
+                    <a:schemeClr val="accent4">
+                      <a:lumMod val="40000"/>
+                      <a:lumOff val="60000"/>
+                    </a:schemeClr>
+                  </a:solidFill>
+                </a:ln>
+              </p:spPr>
+              <p:style>
+                <a:lnRef idx="2">
+                  <a:schemeClr val="accent1">
+                    <a:shade val="50000"/>
+                  </a:schemeClr>
+                </a:lnRef>
+                <a:fillRef idx="1">
+                  <a:schemeClr val="accent1"/>
+                </a:fillRef>
+                <a:effectRef idx="0">
+                  <a:schemeClr val="accent1"/>
+                </a:effectRef>
+                <a:fontRef idx="minor">
+                  <a:schemeClr val="lt1"/>
+                </a:fontRef>
+              </p:style>
+              <p:txBody>
+                <a:bodyPr rtlCol="0" anchor="ctr"/>
+                <a:p>
+                  <a:pPr algn="l"/>
+                  <a:r>
+                    <a:rPr lang="en-US" altLang="zh-CN" sz="900" dirty="0">
+                      <a:solidFill>
+                        <a:schemeClr val="tx1"/>
+                      </a:solidFill>
+                      <a:latin typeface="Cascadia Mono" panose="020B0609020000020004" pitchFamily="49" charset="0"/>
+                      <a:ea typeface="Cascadia Mono" panose="020B0609020000020004" pitchFamily="49" charset="0"/>
+                      <a:cs typeface="Cascadia Mono" panose="020B0609020000020004" pitchFamily="49" charset="0"/>
+                    </a:rPr>
+                    <a:t>func example(p1, p2):</a:t>
+                  </a:r>
+                  <a:endParaRPr lang="en-US" altLang="zh-CN" sz="900" dirty="0">
+                    <a:solidFill>
+                      <a:schemeClr val="tx1"/>
+                    </a:solidFill>
+                    <a:latin typeface="Cascadia Mono" panose="020B0609020000020004" pitchFamily="49" charset="0"/>
+                    <a:ea typeface="Cascadia Mono" panose="020B0609020000020004" pitchFamily="49" charset="0"/>
+                    <a:cs typeface="Cascadia Mono" panose="020B0609020000020004" pitchFamily="49" charset="0"/>
+                  </a:endParaRPr>
+                </a:p>
+              </p:txBody>
+            </p:sp>
+            <p:sp>
+              <p:nvSpPr>
+                <p:cNvPr id="7" name="圆角矩形 6"/>
+                <p:cNvSpPr/>
+                <p:nvPr/>
+              </p:nvSpPr>
+              <p:spPr>
+                <a:xfrm>
+                  <a:off x="6197" y="5258"/>
+                  <a:ext cx="4541" cy="375"/>
+                </a:xfrm>
+                <a:prstGeom prst="roundRect">
+                  <a:avLst/>
+                </a:prstGeom>
+                <a:solidFill>
+                  <a:schemeClr val="accent4">
+                    <a:lumMod val="20000"/>
+                    <a:lumOff val="80000"/>
+                  </a:schemeClr>
+                </a:solidFill>
+                <a:ln w="22225">
+                  <a:solidFill>
+                    <a:schemeClr val="accent4">
+                      <a:lumMod val="40000"/>
+                      <a:lumOff val="60000"/>
+                    </a:schemeClr>
+                  </a:solidFill>
+                </a:ln>
+              </p:spPr>
+              <p:style>
+                <a:lnRef idx="2">
+                  <a:schemeClr val="accent1">
+                    <a:shade val="50000"/>
+                  </a:schemeClr>
+                </a:lnRef>
+                <a:fillRef idx="1">
+                  <a:schemeClr val="accent1"/>
+                </a:fillRef>
+                <a:effectRef idx="0">
+                  <a:schemeClr val="accent1"/>
+                </a:effectRef>
+                <a:fontRef idx="minor">
+                  <a:schemeClr val="lt1"/>
+                </a:fontRef>
+              </p:style>
+              <p:txBody>
+                <a:bodyPr rtlCol="0" anchor="ctr"/>
+                <a:p>
+                  <a:pPr algn="l"/>
+                  <a:r>
+                    <a:rPr lang="en-US" altLang="zh-CN" sz="950" dirty="0">
+                      <a:solidFill>
+                        <a:schemeClr val="tx1"/>
+                      </a:solidFill>
+                      <a:latin typeface="Cascadia Mono" panose="020B0609020000020004" pitchFamily="49" charset="0"/>
+                      <a:ea typeface="Cascadia Mono" panose="020B0609020000020004" pitchFamily="49" charset="0"/>
+                      <a:cs typeface="Cascadia Mono" panose="020B0609020000020004" pitchFamily="49" charset="0"/>
+                    </a:rPr>
+                    <a:t>Stmt #i: </a:t>
+                  </a:r>
+                  <a:r>
+                    <a:rPr lang="en-US" altLang="zh-CN" sz="950" dirty="0">
+                      <a:solidFill>
+                        <a:srgbClr val="FF0000"/>
+                      </a:solidFill>
+                      <a:latin typeface="Cascadia Mono" panose="020B0609020000020004" pitchFamily="49" charset="0"/>
+                      <a:ea typeface="Cascadia Mono" panose="020B0609020000020004" pitchFamily="49" charset="0"/>
+                      <a:cs typeface="Cascadia Mono" panose="020B0609020000020004" pitchFamily="49" charset="0"/>
+                    </a:rPr>
+                    <a:t>ArkInvokeExpr </a:t>
+                  </a:r>
+                  <a:r>
+                    <a:rPr lang="en-US" altLang="zh-CN" sz="950" dirty="0">
+                      <a:solidFill>
+                        <a:schemeClr val="tx1"/>
+                      </a:solidFill>
+                      <a:latin typeface="Cascadia Mono" panose="020B0609020000020004" pitchFamily="49" charset="0"/>
+                      <a:ea typeface="Cascadia Mono" panose="020B0609020000020004" pitchFamily="49" charset="0"/>
+                      <a:cs typeface="Cascadia Mono" panose="020B0609020000020004" pitchFamily="49" charset="0"/>
+                    </a:rPr>
+                    <a:t>hilog.log(%1..)</a:t>
+                  </a:r>
+                  <a:endParaRPr lang="en-US" altLang="zh-CN" sz="950" dirty="0">
+                    <a:solidFill>
+                      <a:schemeClr val="tx1"/>
+                    </a:solidFill>
+                    <a:latin typeface="Cascadia Mono" panose="020B0609020000020004" pitchFamily="49" charset="0"/>
+                    <a:ea typeface="Cascadia Mono" panose="020B0609020000020004" pitchFamily="49" charset="0"/>
+                    <a:cs typeface="Cascadia Mono" panose="020B0609020000020004" pitchFamily="49" charset="0"/>
+                  </a:endParaRPr>
+                </a:p>
+              </p:txBody>
+            </p:sp>
+            <p:sp>
+              <p:nvSpPr>
+                <p:cNvPr id="9" name="圆角矩形 8"/>
+                <p:cNvSpPr/>
+                <p:nvPr/>
+              </p:nvSpPr>
+              <p:spPr>
+                <a:xfrm>
+                  <a:off x="6197" y="6310"/>
+                  <a:ext cx="4541" cy="375"/>
+                </a:xfrm>
+                <a:prstGeom prst="roundRect">
+                  <a:avLst/>
+                </a:prstGeom>
+                <a:solidFill>
+                  <a:schemeClr val="accent4">
+                    <a:lumMod val="20000"/>
+                    <a:lumOff val="80000"/>
+                  </a:schemeClr>
+                </a:solidFill>
+                <a:ln w="22225">
+                  <a:solidFill>
+                    <a:schemeClr val="accent4">
+                      <a:lumMod val="40000"/>
+                      <a:lumOff val="60000"/>
+                    </a:schemeClr>
+                  </a:solidFill>
+                </a:ln>
+              </p:spPr>
+              <p:style>
+                <a:lnRef idx="2">
+                  <a:schemeClr val="accent1">
+                    <a:shade val="50000"/>
+                  </a:schemeClr>
+                </a:lnRef>
+                <a:fillRef idx="1">
+                  <a:schemeClr val="accent1"/>
+                </a:fillRef>
+                <a:effectRef idx="0">
+                  <a:schemeClr val="accent1"/>
+                </a:effectRef>
+                <a:fontRef idx="minor">
+                  <a:schemeClr val="lt1"/>
+                </a:fontRef>
+              </p:style>
+              <p:txBody>
+                <a:bodyPr rtlCol="0" anchor="ctr"/>
+                <a:p>
+                  <a:pPr algn="l"/>
+                  <a:r>
+                    <a:rPr lang="en-US" altLang="zh-CN" sz="950" dirty="0">
+                      <a:solidFill>
+                        <a:schemeClr val="tx1"/>
+                      </a:solidFill>
+                      <a:latin typeface="Cascadia Mono" panose="020B0609020000020004" pitchFamily="49" charset="0"/>
+                      <a:ea typeface="Cascadia Mono" panose="020B0609020000020004" pitchFamily="49" charset="0"/>
+                      <a:cs typeface="Cascadia Mono" panose="020B0609020000020004" pitchFamily="49" charset="0"/>
+                    </a:rPr>
+                    <a:t>Stmt #k: </a:t>
+                  </a:r>
+                  <a:r>
+                    <a:rPr lang="en-US" altLang="zh-CN" sz="950" dirty="0">
+                      <a:solidFill>
+                        <a:srgbClr val="FF0000"/>
+                      </a:solidFill>
+                      <a:latin typeface="Cascadia Mono" panose="020B0609020000020004" pitchFamily="49" charset="0"/>
+                      <a:ea typeface="Cascadia Mono" panose="020B0609020000020004" pitchFamily="49" charset="0"/>
+                      <a:cs typeface="Cascadia Mono" panose="020B0609020000020004" pitchFamily="49" charset="0"/>
+                    </a:rPr>
+                    <a:t>ArkRetExpr </a:t>
+                  </a:r>
+                  <a:r>
+                    <a:rPr lang="en-US" altLang="zh-CN" sz="950" dirty="0">
+                      <a:solidFill>
+                        <a:schemeClr val="tx1"/>
+                      </a:solidFill>
+                      <a:latin typeface="Cascadia Mono" panose="020B0609020000020004" pitchFamily="49" charset="0"/>
+                      <a:ea typeface="Cascadia Mono" panose="020B0609020000020004" pitchFamily="49" charset="0"/>
+                      <a:cs typeface="Cascadia Mono" panose="020B0609020000020004" pitchFamily="49" charset="0"/>
+                      <a:sym typeface="+mn-ea"/>
+                    </a:rPr>
+                    <a:t>%6</a:t>
+                  </a:r>
+                  <a:endParaRPr lang="en-US" altLang="zh-CN" sz="950" dirty="0">
+                    <a:solidFill>
+                      <a:srgbClr val="FF0000"/>
+                    </a:solidFill>
+                    <a:latin typeface="Cascadia Mono" panose="020B0609020000020004" pitchFamily="49" charset="0"/>
+                    <a:ea typeface="Cascadia Mono" panose="020B0609020000020004" pitchFamily="49" charset="0"/>
+                    <a:cs typeface="Cascadia Mono" panose="020B0609020000020004" pitchFamily="49" charset="0"/>
+                  </a:endParaRPr>
+                </a:p>
+              </p:txBody>
+            </p:sp>
+            <p:sp>
+              <p:nvSpPr>
+                <p:cNvPr id="146" name="圆角矩形 145"/>
+                <p:cNvSpPr/>
+                <p:nvPr/>
+              </p:nvSpPr>
+              <p:spPr>
+                <a:xfrm>
+                  <a:off x="6197" y="5776"/>
+                  <a:ext cx="4541" cy="375"/>
+                </a:xfrm>
+                <a:prstGeom prst="roundRect">
+                  <a:avLst/>
+                </a:prstGeom>
+                <a:solidFill>
+                  <a:schemeClr val="accent4">
+                    <a:lumMod val="20000"/>
+                    <a:lumOff val="80000"/>
+                  </a:schemeClr>
+                </a:solidFill>
+                <a:ln w="22225">
+                  <a:solidFill>
+                    <a:schemeClr val="accent4">
+                      <a:lumMod val="40000"/>
+                      <a:lumOff val="60000"/>
+                    </a:schemeClr>
+                  </a:solidFill>
+                </a:ln>
+              </p:spPr>
+              <p:style>
+                <a:lnRef idx="2">
+                  <a:schemeClr val="accent1">
+                    <a:shade val="50000"/>
+                  </a:schemeClr>
+                </a:lnRef>
+                <a:fillRef idx="1">
+                  <a:schemeClr val="accent1"/>
+                </a:fillRef>
+                <a:effectRef idx="0">
+                  <a:schemeClr val="accent1"/>
+                </a:effectRef>
+                <a:fontRef idx="minor">
+                  <a:schemeClr val="lt1"/>
+                </a:fontRef>
+              </p:style>
+              <p:txBody>
+                <a:bodyPr rtlCol="0" anchor="ctr"/>
+                <a:p>
+                  <a:pPr algn="l"/>
+                  <a:r>
+                    <a:rPr lang="en-US" altLang="zh-CN" sz="950" dirty="0">
+                      <a:solidFill>
+                        <a:schemeClr val="tx1"/>
+                      </a:solidFill>
+                      <a:latin typeface="Cascadia Mono" panose="020B0609020000020004" pitchFamily="49" charset="0"/>
+                      <a:ea typeface="Cascadia Mono" panose="020B0609020000020004" pitchFamily="49" charset="0"/>
+                      <a:cs typeface="Cascadia Mono" panose="020B0609020000020004" pitchFamily="49" charset="0"/>
+                    </a:rPr>
+                    <a:t>Stmt #j: </a:t>
+                  </a:r>
+                  <a:r>
+                    <a:rPr lang="en-US" altLang="zh-CN" sz="950" dirty="0">
+                      <a:solidFill>
+                        <a:srgbClr val="FF0000"/>
+                      </a:solidFill>
+                      <a:latin typeface="Cascadia Mono" panose="020B0609020000020004" pitchFamily="49" charset="0"/>
+                      <a:ea typeface="Cascadia Mono" panose="020B0609020000020004" pitchFamily="49" charset="0"/>
+                      <a:cs typeface="Cascadia Mono" panose="020B0609020000020004" pitchFamily="49" charset="0"/>
+                    </a:rPr>
+                    <a:t>ArkPhiExpr </a:t>
+                  </a:r>
+                  <a:r>
+                    <a:rPr lang="en-US" altLang="zh-CN" sz="950" dirty="0">
+                      <a:solidFill>
+                        <a:schemeClr val="tx1"/>
+                      </a:solidFill>
+                      <a:latin typeface="Cascadia Mono" panose="020B0609020000020004" pitchFamily="49" charset="0"/>
+                      <a:ea typeface="Cascadia Mono" panose="020B0609020000020004" pitchFamily="49" charset="0"/>
+                      <a:cs typeface="Cascadia Mono" panose="020B0609020000020004" pitchFamily="49" charset="0"/>
+                      <a:sym typeface="+mn-ea"/>
+                    </a:rPr>
+                    <a:t>%6 &lt;- %4, %5 </a:t>
+                  </a:r>
+                  <a:endParaRPr lang="en-US" altLang="zh-CN" sz="950" dirty="0">
+                    <a:solidFill>
+                      <a:schemeClr val="tx1"/>
+                    </a:solidFill>
+                    <a:latin typeface="Cascadia Mono" panose="020B0609020000020004" pitchFamily="49" charset="0"/>
+                    <a:ea typeface="Cascadia Mono" panose="020B0609020000020004" pitchFamily="49" charset="0"/>
+                    <a:cs typeface="Cascadia Mono" panose="020B0609020000020004" pitchFamily="49" charset="0"/>
+                  </a:endParaRPr>
+                </a:p>
+              </p:txBody>
+            </p:sp>
+          </p:grpSp>
+          <p:cxnSp>
+            <p:nvCxnSpPr>
+              <p:cNvPr id="11" name="直接箭头连接符 10"/>
+              <p:cNvCxnSpPr>
+                <a:stCxn id="22" idx="3"/>
+                <a:endCxn id="7" idx="1"/>
+              </p:cNvCxnSpPr>
+              <p:nvPr/>
+            </p:nvCxnSpPr>
+            <p:spPr>
+              <a:xfrm>
+                <a:off x="5552" y="5445"/>
+                <a:ext cx="645" cy="1"/>
+              </a:xfrm>
+              <a:prstGeom prst="straightConnector1">
+                <a:avLst/>
+              </a:prstGeom>
+              <a:ln w="19050">
+                <a:solidFill>
+                  <a:schemeClr val="accent1">
+                    <a:lumMod val="75000"/>
+                  </a:schemeClr>
+                </a:solidFill>
+                <a:tailEnd type="triangle" w="med" len="sm"/>
+              </a:ln>
+            </p:spPr>
+            <p:style>
+              <a:lnRef idx="2">
+                <a:schemeClr val="accent1"/>
+              </a:lnRef>
+              <a:fillRef idx="0">
+                <a:srgbClr val="FFFFFF"/>
+              </a:fillRef>
+              <a:effectRef idx="0">
+                <a:srgbClr val="FFFFFF"/>
+              </a:effectRef>
+              <a:fontRef idx="minor">
+                <a:schemeClr val="tx1"/>
+              </a:fontRef>
+            </p:style>
+          </p:cxnSp>
+          <p:cxnSp>
+            <p:nvCxnSpPr>
+              <p:cNvPr id="12" name="直接箭头连接符 11"/>
+              <p:cNvCxnSpPr>
+                <a:stCxn id="23" idx="3"/>
+                <a:endCxn id="146" idx="1"/>
+              </p:cNvCxnSpPr>
+              <p:nvPr/>
+            </p:nvCxnSpPr>
+            <p:spPr>
+              <a:xfrm flipV="1">
+                <a:off x="5552" y="5964"/>
+                <a:ext cx="645" cy="6"/>
+              </a:xfrm>
+              <a:prstGeom prst="straightConnector1">
+                <a:avLst/>
+              </a:prstGeom>
+              <a:ln w="19050">
+                <a:solidFill>
+                  <a:schemeClr val="accent1">
+                    <a:lumMod val="75000"/>
+                  </a:schemeClr>
+                </a:solidFill>
+                <a:tailEnd type="triangle" w="med" len="sm"/>
+              </a:ln>
+            </p:spPr>
+            <p:style>
+              <a:lnRef idx="2">
+                <a:schemeClr val="accent1"/>
+              </a:lnRef>
+              <a:fillRef idx="0">
+                <a:srgbClr val="FFFFFF"/>
+              </a:fillRef>
+              <a:effectRef idx="0">
+                <a:srgbClr val="FFFFFF"/>
+              </a:effectRef>
+              <a:fontRef idx="minor">
+                <a:schemeClr val="tx1"/>
+              </a:fontRef>
+            </p:style>
+          </p:cxnSp>
+          <p:cxnSp>
+            <p:nvCxnSpPr>
+              <p:cNvPr id="13" name="直接箭头连接符 12"/>
+              <p:cNvCxnSpPr>
+                <a:stCxn id="24" idx="3"/>
+                <a:endCxn id="9" idx="1"/>
+              </p:cNvCxnSpPr>
+              <p:nvPr/>
+            </p:nvCxnSpPr>
+            <p:spPr>
+              <a:xfrm>
+                <a:off x="5552" y="6495"/>
+                <a:ext cx="645" cy="3"/>
+              </a:xfrm>
+              <a:prstGeom prst="straightConnector1">
+                <a:avLst/>
+              </a:prstGeom>
+              <a:ln w="19050">
+                <a:solidFill>
+                  <a:schemeClr val="accent1">
+                    <a:lumMod val="75000"/>
+                  </a:schemeClr>
+                </a:solidFill>
+                <a:tailEnd type="triangle" w="med" len="sm"/>
+              </a:ln>
+            </p:spPr>
+            <p:style>
+              <a:lnRef idx="2">
+                <a:schemeClr val="accent1"/>
+              </a:lnRef>
+              <a:fillRef idx="0">
+                <a:srgbClr val="FFFFFF"/>
+              </a:fillRef>
+              <a:effectRef idx="0">
+                <a:srgbClr val="FFFFFF"/>
+              </a:effectRef>
+              <a:fontRef idx="minor">
+                <a:schemeClr val="tx1"/>
+              </a:fontRef>
+            </p:style>
+          </p:cxnSp>
+        </p:grpSp>
+        <p:pic>
+          <p:nvPicPr>
+            <p:cNvPr id="17" name="图片 16" descr="11549911"/>
+            <p:cNvPicPr>
+              <a:picLocks noChangeAspect="1"/>
+            </p:cNvPicPr>
+            <p:nvPr/>
+          </p:nvPicPr>
+          <p:blipFill>
+            <a:blip r:embed="rId6"/>
+            <a:stretch>
+              <a:fillRect/>
+            </a:stretch>
+          </p:blipFill>
+          <p:spPr>
+            <a:xfrm>
+              <a:off x="8346" y="6976"/>
+              <a:ext cx="502" cy="502"/>
+            </a:xfrm>
+            <a:prstGeom prst="rect">
+              <a:avLst/>
+            </a:prstGeom>
+          </p:spPr>
+        </p:pic>
+        <p:sp>
+          <p:nvSpPr>
+            <p:cNvPr id="18" name="文本框 17"/>
+            <p:cNvSpPr txBox="1"/>
+            <p:nvPr/>
+          </p:nvSpPr>
+          <p:spPr>
+            <a:xfrm>
+              <a:off x="8662" y="6870"/>
+              <a:ext cx="4095" cy="727"/>
+            </a:xfrm>
+            <a:prstGeom prst="rect">
+              <a:avLst/>
+            </a:prstGeom>
+            <a:noFill/>
+          </p:spPr>
+          <p:txBody>
+            <a:bodyPr wrap="square" rtlCol="0" anchor="ctr" anchorCtr="0">
+              <a:noAutofit/>
+            </a:bodyPr>
+            <a:p>
+              <a:pPr algn="ctr"/>
+              <a:r>
+                <a:rPr lang="en-US" altLang="zh-CN" sz="1200" b="1">
+                  <a:latin typeface="+mn-ea"/>
+                  <a:cs typeface="+mn-ea"/>
+                  <a:sym typeface="+mn-ea"/>
+                </a:rPr>
+                <a:t> </a:t>
+              </a:r>
+              <a:r>
+                <a:rPr lang="zh-CN" altLang="en-US" sz="1200" b="1">
+                  <a:latin typeface="+mn-ea"/>
+                  <a:cs typeface="+mn-ea"/>
+                  <a:sym typeface="+mn-ea"/>
+                </a:rPr>
+                <a:t>连接跨语言调用边，跨语言函数语义添加至分析场景中</a:t>
+              </a:r>
+              <a:r>
+                <a:rPr lang="en-US" altLang="zh-CN" sz="1200" b="1">
+                  <a:latin typeface="+mn-ea"/>
+                  <a:cs typeface="+mn-ea"/>
+                  <a:sym typeface="+mn-ea"/>
+                </a:rPr>
+                <a:t>=</a:t>
+              </a:r>
+              <a:endParaRPr lang="en-US" altLang="zh-CN" sz="1200" b="1">
+                <a:latin typeface="+mn-ea"/>
+                <a:cs typeface="+mn-ea"/>
+                <a:sym typeface="+mn-ea"/>
+              </a:endParaRPr>
+            </a:p>
+          </p:txBody>
+        </p:sp>
+      </p:grpSp>
+    </p:spTree>
+    <p:custDataLst>
+      <p:tags r:id="rId7"/>
+    </p:custDataLst>
+  </p:cSld>
+  <p:clrMapOvr>
+    <a:masterClrMapping/>
+  </p:clrMapOvr>
+</p:sld>
+</file>
+
 <file path=ppt/tags/tag1.xml><?xml version="1.0" encoding="utf-8"?>
 <p:tagLst xmlns:p="http://schemas.openxmlformats.org/presentationml/2006/main">
   <p:tag name="KSO_WM_UNIT_HIGHLIGHT" val="0"/>
@@ -8077,6 +9902,27 @@
 
 <file path=ppt/tags/tag64.xml><?xml version="1.0" encoding="utf-8"?>
 <p:tagLst xmlns:p="http://schemas.openxmlformats.org/presentationml/2006/main">
+  <p:tag name="KSO_WM_SLIDE_ID" val="custom20205081_1"/>
+  <p:tag name="KSO_WM_TEMPLATE_SUBCATEGORY" val="19"/>
+  <p:tag name="KSO_WM_TEMPLATE_MASTER_TYPE" val="0"/>
+  <p:tag name="KSO_WM_TEMPLATE_COLOR_TYPE" val="1"/>
+  <p:tag name="KSO_WM_SLIDE_TYPE" val="title"/>
+  <p:tag name="KSO_WM_SLIDE_SUBTYPE" val="defaultBlank"/>
+  <p:tag name="KSO_WM_SLIDE_ITEM_CNT" val="0"/>
+  <p:tag name="KSO_WM_SLIDE_INDEX" val="1"/>
+  <p:tag name="KSO_WM_TAG_VERSION" val="1.0"/>
+  <p:tag name="KSO_WM_BEAUTIFY_FLAG" val="#wm#"/>
+  <p:tag name="KSO_WM_TEMPLATE_CATEGORY" val="custom"/>
+  <p:tag name="KSO_WM_TEMPLATE_INDEX" val="20205081"/>
+  <p:tag name="KSO_WM_SLIDE_LAYOUT" val="a_b"/>
+  <p:tag name="KSO_WM_SLIDE_LAYOUT_CNT" val="1_1"/>
+  <p:tag name="KSO_WM_UNIT_SHOW_EDIT_AREA_INDICATION" val="1"/>
+  <p:tag name="KSO_WM_TEMPLATE_THUMBS_INDEX" val="1、4、7、12、13、14、15、16、17、18、20、24、25、28、33、36、40、43、44"/>
+</p:tagLst>
+</file>
+
+<file path=ppt/tags/tag65.xml><?xml version="1.0" encoding="utf-8"?>
+<p:tagLst xmlns:p="http://schemas.openxmlformats.org/presentationml/2006/main">
   <p:tag name="commondata" val="eyJoZGlkIjoiMjgxNTY0ZjBjYjgxYWIwMWJhZDlkZGM4YTFmMDQwZWQifQ=="/>
 </p:tagLst>
 </file>
